--- a/최종프로젝트(국회의원_분석)/프로젝트 데이터/기획서&발표자료/(훈련생용 양식) [4차 6기] 파이널프로젝트_결과보고서_서비스산업.pptx
+++ b/최종프로젝트(국회의원_분석)/프로젝트 데이터/기획서&발표자료/(훈련생용 양식) [4차 6기] 파이널프로젝트_결과보고서_서비스산업.pptx
@@ -4977,7 +4977,7 @@
           <a:p>
             <a:fld id="{1EE793DA-B02C-4C42-9760-40F495DA40F8}" type="datetimeFigureOut">
               <a:rPr lang="ko-KR" altLang="en-US" smtClean="0"/>
-              <a:t>2020-03-23</a:t>
+              <a:t>2020-04-29</a:t>
             </a:fld>
             <a:endParaRPr lang="ko-KR" altLang="en-US"/>
           </a:p>
@@ -10381,7 +10381,7 @@
           <p:cNvPr id="11" name="직사각형 10">
             <a:extLst>
               <a:ext uri="{FF2B5EF4-FFF2-40B4-BE49-F238E27FC236}">
-                <a16:creationId xmlns="" xmlns:a16="http://schemas.microsoft.com/office/drawing/2014/main" id="{718B9028-7A42-4747-B5ED-54D9EFDB6F3D}"/>
+                <a16:creationId xmlns:a16="http://schemas.microsoft.com/office/drawing/2014/main" xmlns="" id="{718B9028-7A42-4747-B5ED-54D9EFDB6F3D}"/>
               </a:ext>
             </a:extLst>
           </p:cNvPr>
@@ -10496,7 +10496,7 @@
           <p:cNvPr id="12" name="그림 11">
             <a:extLst>
               <a:ext uri="{FF2B5EF4-FFF2-40B4-BE49-F238E27FC236}">
-                <a16:creationId xmlns="" xmlns:a16="http://schemas.microsoft.com/office/drawing/2014/main" id="{6D404287-8078-4842-B0B0-2FE3782BD05D}"/>
+                <a16:creationId xmlns:a16="http://schemas.microsoft.com/office/drawing/2014/main" xmlns="" id="{6D404287-8078-4842-B0B0-2FE3782BD05D}"/>
               </a:ext>
             </a:extLst>
           </p:cNvPr>
@@ -10580,7 +10580,7 @@
           <p:cNvPr id="14" name="그림 13">
             <a:extLst>
               <a:ext uri="{FF2B5EF4-FFF2-40B4-BE49-F238E27FC236}">
-                <a16:creationId xmlns="" xmlns:a16="http://schemas.microsoft.com/office/drawing/2014/main" id="{6CB52E87-B98A-4160-86DD-213E8BA571D4}"/>
+                <a16:creationId xmlns:a16="http://schemas.microsoft.com/office/drawing/2014/main" xmlns="" id="{6CB52E87-B98A-4160-86DD-213E8BA571D4}"/>
               </a:ext>
             </a:extLst>
           </p:cNvPr>
@@ -10610,7 +10610,7 @@
           <p:cNvPr id="15" name="그림 14">
             <a:extLst>
               <a:ext uri="{FF2B5EF4-FFF2-40B4-BE49-F238E27FC236}">
-                <a16:creationId xmlns="" xmlns:a16="http://schemas.microsoft.com/office/drawing/2014/main" id="{F45D3DA0-7C02-4741-82BA-4B5B4BF9E068}"/>
+                <a16:creationId xmlns:a16="http://schemas.microsoft.com/office/drawing/2014/main" xmlns="" id="{F45D3DA0-7C02-4741-82BA-4B5B4BF9E068}"/>
               </a:ext>
             </a:extLst>
           </p:cNvPr>
@@ -10844,7 +10844,7 @@
           <p:cNvPr id="8" name="직사각형 7">
             <a:extLst>
               <a:ext uri="{FF2B5EF4-FFF2-40B4-BE49-F238E27FC236}">
-                <a16:creationId xmlns="" xmlns:a16="http://schemas.microsoft.com/office/drawing/2014/main" id="{718B9028-7A42-4747-B5ED-54D9EFDB6F3D}"/>
+                <a16:creationId xmlns:a16="http://schemas.microsoft.com/office/drawing/2014/main" xmlns="" id="{718B9028-7A42-4747-B5ED-54D9EFDB6F3D}"/>
               </a:ext>
             </a:extLst>
           </p:cNvPr>
@@ -11152,7 +11152,7 @@
           <p:cNvPr id="8" name="직사각형 7">
             <a:extLst>
               <a:ext uri="{FF2B5EF4-FFF2-40B4-BE49-F238E27FC236}">
-                <a16:creationId xmlns="" xmlns:a16="http://schemas.microsoft.com/office/drawing/2014/main" id="{718B9028-7A42-4747-B5ED-54D9EFDB6F3D}"/>
+                <a16:creationId xmlns:a16="http://schemas.microsoft.com/office/drawing/2014/main" xmlns="" id="{718B9028-7A42-4747-B5ED-54D9EFDB6F3D}"/>
               </a:ext>
             </a:extLst>
           </p:cNvPr>
@@ -11242,7 +11242,7 @@
           <p:cNvPr id="9" name="Picture 2" descr="https://i.imgur.com/NV7jQ0X.png">
             <a:extLst>
               <a:ext uri="{FF2B5EF4-FFF2-40B4-BE49-F238E27FC236}">
-                <a16:creationId xmlns="" xmlns:a16="http://schemas.microsoft.com/office/drawing/2014/main" id="{40AE1313-B21E-4797-B580-D82F3ED95B3E}"/>
+                <a16:creationId xmlns:a16="http://schemas.microsoft.com/office/drawing/2014/main" xmlns="" id="{40AE1313-B21E-4797-B580-D82F3ED95B3E}"/>
               </a:ext>
             </a:extLst>
           </p:cNvPr>
@@ -11307,8 +11307,8 @@
         </p:blipFill>
         <p:spPr bwMode="auto">
           <a:xfrm>
-            <a:off x="7117329" y="2690199"/>
-            <a:ext cx="3888315" cy="3637841"/>
+            <a:off x="7200257" y="2136856"/>
+            <a:ext cx="4428234" cy="4142980"/>
           </a:xfrm>
           <a:prstGeom prst="rect">
             <a:avLst/>
@@ -11547,7 +11547,7 @@
           <p:cNvPr id="8" name="직사각형 7">
             <a:extLst>
               <a:ext uri="{FF2B5EF4-FFF2-40B4-BE49-F238E27FC236}">
-                <a16:creationId xmlns="" xmlns:a16="http://schemas.microsoft.com/office/drawing/2014/main" id="{718B9028-7A42-4747-B5ED-54D9EFDB6F3D}"/>
+                <a16:creationId xmlns:a16="http://schemas.microsoft.com/office/drawing/2014/main" xmlns="" id="{718B9028-7A42-4747-B5ED-54D9EFDB6F3D}"/>
               </a:ext>
             </a:extLst>
           </p:cNvPr>
@@ -11649,7 +11649,7 @@
           <p:cNvPr id="9" name="Picture 2">
             <a:extLst>
               <a:ext uri="{FF2B5EF4-FFF2-40B4-BE49-F238E27FC236}">
-                <a16:creationId xmlns="" xmlns:a16="http://schemas.microsoft.com/office/drawing/2014/main" id="{5648E92E-01A1-4DED-9BE0-D0642559F037}"/>
+                <a16:creationId xmlns:a16="http://schemas.microsoft.com/office/drawing/2014/main" xmlns="" id="{5648E92E-01A1-4DED-9BE0-D0642559F037}"/>
               </a:ext>
             </a:extLst>
           </p:cNvPr>
@@ -11709,7 +11709,7 @@
           <p:cNvPr id="10" name="Picture 2">
             <a:extLst>
               <a:ext uri="{FF2B5EF4-FFF2-40B4-BE49-F238E27FC236}">
-                <a16:creationId xmlns="" xmlns:a16="http://schemas.microsoft.com/office/drawing/2014/main" id="{378A6B5B-C0C5-46AE-AAFE-210FADFD42F4}"/>
+                <a16:creationId xmlns:a16="http://schemas.microsoft.com/office/drawing/2014/main" xmlns="" id="{378A6B5B-C0C5-46AE-AAFE-210FADFD42F4}"/>
               </a:ext>
             </a:extLst>
           </p:cNvPr>
@@ -11953,7 +11953,7 @@
                 <a:gridCol w="10114383">
                   <a:extLst>
                     <a:ext uri="{9D8B030D-6E8A-4147-A177-3AD203B41FA5}">
-                      <a16:colId xmlns="" xmlns:a16="http://schemas.microsoft.com/office/drawing/2014/main" val="1053143411"/>
+                      <a16:colId xmlns:a16="http://schemas.microsoft.com/office/drawing/2014/main" xmlns="" val="1053143411"/>
                     </a:ext>
                   </a:extLst>
                 </a:gridCol>
@@ -12078,7 +12078,7 @@
                 </a:tc>
                 <a:extLst>
                   <a:ext uri="{0D108BD9-81ED-4DB2-BD59-A6C34878D82A}">
-                    <a16:rowId xmlns="" xmlns:a16="http://schemas.microsoft.com/office/drawing/2014/main" val="1080675285"/>
+                    <a16:rowId xmlns:a16="http://schemas.microsoft.com/office/drawing/2014/main" xmlns="" val="1080675285"/>
                   </a:ext>
                 </a:extLst>
               </a:tr>
@@ -12474,7 +12474,7 @@
                 </a:tc>
                 <a:extLst>
                   <a:ext uri="{0D108BD9-81ED-4DB2-BD59-A6C34878D82A}">
-                    <a16:rowId xmlns="" xmlns:a16="http://schemas.microsoft.com/office/drawing/2014/main" val="1683814525"/>
+                    <a16:rowId xmlns:a16="http://schemas.microsoft.com/office/drawing/2014/main" xmlns="" val="1683814525"/>
                   </a:ext>
                 </a:extLst>
               </a:tr>
@@ -12543,7 +12543,7 @@
         </p:nvSpPr>
         <p:spPr>
           <a:xfrm>
-            <a:off x="828370" y="310196"/>
+            <a:off x="768994" y="333946"/>
             <a:ext cx="6801467" cy="646331"/>
           </a:xfrm>
           <a:prstGeom prst="rect">
@@ -12610,14 +12610,14 @@
                 <a:gridCol w="1710817">
                   <a:extLst>
                     <a:ext uri="{9D8B030D-6E8A-4147-A177-3AD203B41FA5}">
-                      <a16:colId xmlns="" xmlns:a16="http://schemas.microsoft.com/office/drawing/2014/main" val="1053143411"/>
+                      <a16:colId xmlns:a16="http://schemas.microsoft.com/office/drawing/2014/main" xmlns="" val="1053143411"/>
                     </a:ext>
                   </a:extLst>
                 </a:gridCol>
                 <a:gridCol w="9476658">
                   <a:extLst>
                     <a:ext uri="{9D8B030D-6E8A-4147-A177-3AD203B41FA5}">
-                      <a16:colId xmlns="" xmlns:a16="http://schemas.microsoft.com/office/drawing/2014/main" val="1518255068"/>
+                      <a16:colId xmlns:a16="http://schemas.microsoft.com/office/drawing/2014/main" xmlns="" val="1518255068"/>
                     </a:ext>
                   </a:extLst>
                 </a:gridCol>
@@ -12773,7 +12773,7 @@
                 </a:tc>
                 <a:extLst>
                   <a:ext uri="{0D108BD9-81ED-4DB2-BD59-A6C34878D82A}">
-                    <a16:rowId xmlns="" xmlns:a16="http://schemas.microsoft.com/office/drawing/2014/main" val="1670581919"/>
+                    <a16:rowId xmlns:a16="http://schemas.microsoft.com/office/drawing/2014/main" xmlns="" val="1670581919"/>
                   </a:ext>
                 </a:extLst>
               </a:tr>
@@ -13205,7 +13205,7 @@
                 </a:tc>
                 <a:extLst>
                   <a:ext uri="{0D108BD9-81ED-4DB2-BD59-A6C34878D82A}">
-                    <a16:rowId xmlns="" xmlns:a16="http://schemas.microsoft.com/office/drawing/2014/main" val="2080871514"/>
+                    <a16:rowId xmlns:a16="http://schemas.microsoft.com/office/drawing/2014/main" xmlns="" val="2080871514"/>
                   </a:ext>
                 </a:extLst>
               </a:tr>
@@ -13537,7 +13537,7 @@
                 </a:tc>
                 <a:extLst>
                   <a:ext uri="{0D108BD9-81ED-4DB2-BD59-A6C34878D82A}">
-                    <a16:rowId xmlns="" xmlns:a16="http://schemas.microsoft.com/office/drawing/2014/main" val="3075842892"/>
+                    <a16:rowId xmlns:a16="http://schemas.microsoft.com/office/drawing/2014/main" xmlns="" val="3075842892"/>
                   </a:ext>
                 </a:extLst>
               </a:tr>
@@ -13792,7 +13792,7 @@
                 </a:tc>
                 <a:extLst>
                   <a:ext uri="{0D108BD9-81ED-4DB2-BD59-A6C34878D82A}">
-                    <a16:rowId xmlns="" xmlns:a16="http://schemas.microsoft.com/office/drawing/2014/main" val="1473816741"/>
+                    <a16:rowId xmlns:a16="http://schemas.microsoft.com/office/drawing/2014/main" xmlns="" val="1473816741"/>
                   </a:ext>
                 </a:extLst>
               </a:tr>
@@ -13989,14 +13989,14 @@
                 <a:gridCol w="1710817">
                   <a:extLst>
                     <a:ext uri="{9D8B030D-6E8A-4147-A177-3AD203B41FA5}">
-                      <a16:colId xmlns="" xmlns:a16="http://schemas.microsoft.com/office/drawing/2014/main" val="1053143411"/>
+                      <a16:colId xmlns:a16="http://schemas.microsoft.com/office/drawing/2014/main" xmlns="" val="1053143411"/>
                     </a:ext>
                   </a:extLst>
                 </a:gridCol>
                 <a:gridCol w="9476658">
                   <a:extLst>
                     <a:ext uri="{9D8B030D-6E8A-4147-A177-3AD203B41FA5}">
-                      <a16:colId xmlns="" xmlns:a16="http://schemas.microsoft.com/office/drawing/2014/main" val="1518255068"/>
+                      <a16:colId xmlns:a16="http://schemas.microsoft.com/office/drawing/2014/main" xmlns="" val="1518255068"/>
                     </a:ext>
                   </a:extLst>
                 </a:gridCol>
@@ -14152,7 +14152,7 @@
                 </a:tc>
                 <a:extLst>
                   <a:ext uri="{0D108BD9-81ED-4DB2-BD59-A6C34878D82A}">
-                    <a16:rowId xmlns="" xmlns:a16="http://schemas.microsoft.com/office/drawing/2014/main" val="1670581919"/>
+                    <a16:rowId xmlns:a16="http://schemas.microsoft.com/office/drawing/2014/main" xmlns="" val="1670581919"/>
                   </a:ext>
                 </a:extLst>
               </a:tr>
@@ -14542,7 +14542,7 @@
                 </a:tc>
                 <a:extLst>
                   <a:ext uri="{0D108BD9-81ED-4DB2-BD59-A6C34878D82A}">
-                    <a16:rowId xmlns="" xmlns:a16="http://schemas.microsoft.com/office/drawing/2014/main" val="2080871514"/>
+                    <a16:rowId xmlns:a16="http://schemas.microsoft.com/office/drawing/2014/main" xmlns="" val="2080871514"/>
                   </a:ext>
                 </a:extLst>
               </a:tr>
@@ -14806,7 +14806,7 @@
                 </a:tc>
                 <a:extLst>
                   <a:ext uri="{0D108BD9-81ED-4DB2-BD59-A6C34878D82A}">
-                    <a16:rowId xmlns="" xmlns:a16="http://schemas.microsoft.com/office/drawing/2014/main" val="2623722263"/>
+                    <a16:rowId xmlns:a16="http://schemas.microsoft.com/office/drawing/2014/main" xmlns="" val="2623722263"/>
                   </a:ext>
                 </a:extLst>
               </a:tr>
@@ -14994,7 +14994,7 @@
                 <a:gridCol w="10114383">
                   <a:extLst>
                     <a:ext uri="{9D8B030D-6E8A-4147-A177-3AD203B41FA5}">
-                      <a16:colId xmlns="" xmlns:a16="http://schemas.microsoft.com/office/drawing/2014/main" val="1053143411"/>
+                      <a16:colId xmlns:a16="http://schemas.microsoft.com/office/drawing/2014/main" xmlns="" val="1053143411"/>
                     </a:ext>
                   </a:extLst>
                 </a:gridCol>
@@ -15085,7 +15085,7 @@
                 </a:tc>
                 <a:extLst>
                   <a:ext uri="{0D108BD9-81ED-4DB2-BD59-A6C34878D82A}">
-                    <a16:rowId xmlns="" xmlns:a16="http://schemas.microsoft.com/office/drawing/2014/main" val="1080675285"/>
+                    <a16:rowId xmlns:a16="http://schemas.microsoft.com/office/drawing/2014/main" xmlns="" val="1080675285"/>
                   </a:ext>
                 </a:extLst>
               </a:tr>
@@ -15609,7 +15609,7 @@
                 </a:tc>
                 <a:extLst>
                   <a:ext uri="{0D108BD9-81ED-4DB2-BD59-A6C34878D82A}">
-                    <a16:rowId xmlns="" xmlns:a16="http://schemas.microsoft.com/office/drawing/2014/main" val="1683814525"/>
+                    <a16:rowId xmlns:a16="http://schemas.microsoft.com/office/drawing/2014/main" xmlns="" val="1683814525"/>
                   </a:ext>
                 </a:extLst>
               </a:tr>
@@ -15703,7 +15703,7 @@
                 <a:gridCol w="7214838">
                   <a:extLst>
                     <a:ext uri="{9D8B030D-6E8A-4147-A177-3AD203B41FA5}">
-                      <a16:colId xmlns="" xmlns:a16="http://schemas.microsoft.com/office/drawing/2014/main" val="1053143411"/>
+                      <a16:colId xmlns:a16="http://schemas.microsoft.com/office/drawing/2014/main" xmlns="" val="1053143411"/>
                     </a:ext>
                   </a:extLst>
                 </a:gridCol>
@@ -15785,7 +15785,7 @@
                 </a:tc>
                 <a:extLst>
                   <a:ext uri="{0D108BD9-81ED-4DB2-BD59-A6C34878D82A}">
-                    <a16:rowId xmlns="" xmlns:a16="http://schemas.microsoft.com/office/drawing/2014/main" val="1670581919"/>
+                    <a16:rowId xmlns:a16="http://schemas.microsoft.com/office/drawing/2014/main" xmlns="" val="1670581919"/>
                   </a:ext>
                 </a:extLst>
               </a:tr>
@@ -15903,7 +15903,7 @@
                 </a:tc>
                 <a:extLst>
                   <a:ext uri="{0D108BD9-81ED-4DB2-BD59-A6C34878D82A}">
-                    <a16:rowId xmlns="" xmlns:a16="http://schemas.microsoft.com/office/drawing/2014/main" val="1080675285"/>
+                    <a16:rowId xmlns:a16="http://schemas.microsoft.com/office/drawing/2014/main" xmlns="" val="1080675285"/>
                   </a:ext>
                 </a:extLst>
               </a:tr>
@@ -15999,7 +15999,7 @@
                 </a:tc>
                 <a:extLst>
                   <a:ext uri="{0D108BD9-81ED-4DB2-BD59-A6C34878D82A}">
-                    <a16:rowId xmlns="" xmlns:a16="http://schemas.microsoft.com/office/drawing/2014/main" val="2405830664"/>
+                    <a16:rowId xmlns:a16="http://schemas.microsoft.com/office/drawing/2014/main" xmlns="" val="2405830664"/>
                   </a:ext>
                 </a:extLst>
               </a:tr>
@@ -16098,7 +16098,7 @@
                 </a:tc>
                 <a:extLst>
                   <a:ext uri="{0D108BD9-81ED-4DB2-BD59-A6C34878D82A}">
-                    <a16:rowId xmlns="" xmlns:a16="http://schemas.microsoft.com/office/drawing/2014/main" val="2080871514"/>
+                    <a16:rowId xmlns:a16="http://schemas.microsoft.com/office/drawing/2014/main" xmlns="" val="2080871514"/>
                   </a:ext>
                 </a:extLst>
               </a:tr>
@@ -16186,7 +16186,7 @@
                 </a:tc>
                 <a:extLst>
                   <a:ext uri="{0D108BD9-81ED-4DB2-BD59-A6C34878D82A}">
-                    <a16:rowId xmlns="" xmlns:a16="http://schemas.microsoft.com/office/drawing/2014/main" val="3204980399"/>
+                    <a16:rowId xmlns:a16="http://schemas.microsoft.com/office/drawing/2014/main" xmlns="" val="3204980399"/>
                   </a:ext>
                 </a:extLst>
               </a:tr>
@@ -16282,7 +16282,7 @@
                 </a:tc>
                 <a:extLst>
                   <a:ext uri="{0D108BD9-81ED-4DB2-BD59-A6C34878D82A}">
-                    <a16:rowId xmlns="" xmlns:a16="http://schemas.microsoft.com/office/drawing/2014/main" val="1652333981"/>
+                    <a16:rowId xmlns:a16="http://schemas.microsoft.com/office/drawing/2014/main" xmlns="" val="1652333981"/>
                   </a:ext>
                 </a:extLst>
               </a:tr>
@@ -16463,7 +16463,7 @@
                 <a:gridCol w="10114383">
                   <a:extLst>
                     <a:ext uri="{9D8B030D-6E8A-4147-A177-3AD203B41FA5}">
-                      <a16:colId xmlns="" xmlns:a16="http://schemas.microsoft.com/office/drawing/2014/main" val="1053143411"/>
+                      <a16:colId xmlns:a16="http://schemas.microsoft.com/office/drawing/2014/main" xmlns="" val="1053143411"/>
                     </a:ext>
                   </a:extLst>
                 </a:gridCol>
@@ -16588,7 +16588,7 @@
                 </a:tc>
                 <a:extLst>
                   <a:ext uri="{0D108BD9-81ED-4DB2-BD59-A6C34878D82A}">
-                    <a16:rowId xmlns="" xmlns:a16="http://schemas.microsoft.com/office/drawing/2014/main" val="1080675285"/>
+                    <a16:rowId xmlns:a16="http://schemas.microsoft.com/office/drawing/2014/main" xmlns="" val="1080675285"/>
                   </a:ext>
                 </a:extLst>
               </a:tr>
@@ -17006,7 +17006,7 @@
                 </a:tc>
                 <a:extLst>
                   <a:ext uri="{0D108BD9-81ED-4DB2-BD59-A6C34878D82A}">
-                    <a16:rowId xmlns="" xmlns:a16="http://schemas.microsoft.com/office/drawing/2014/main" val="1683814525"/>
+                    <a16:rowId xmlns:a16="http://schemas.microsoft.com/office/drawing/2014/main" xmlns="" val="1683814525"/>
                   </a:ext>
                 </a:extLst>
               </a:tr>
@@ -17142,7 +17142,7 @@
                 <a:gridCol w="10114383">
                   <a:extLst>
                     <a:ext uri="{9D8B030D-6E8A-4147-A177-3AD203B41FA5}">
-                      <a16:colId xmlns="" xmlns:a16="http://schemas.microsoft.com/office/drawing/2014/main" val="1053143411"/>
+                      <a16:colId xmlns:a16="http://schemas.microsoft.com/office/drawing/2014/main" xmlns="" val="1053143411"/>
                     </a:ext>
                   </a:extLst>
                 </a:gridCol>
@@ -17267,7 +17267,7 @@
                 </a:tc>
                 <a:extLst>
                   <a:ext uri="{0D108BD9-81ED-4DB2-BD59-A6C34878D82A}">
-                    <a16:rowId xmlns="" xmlns:a16="http://schemas.microsoft.com/office/drawing/2014/main" val="1080675285"/>
+                    <a16:rowId xmlns:a16="http://schemas.microsoft.com/office/drawing/2014/main" xmlns="" val="1080675285"/>
                   </a:ext>
                 </a:extLst>
               </a:tr>
@@ -17517,7 +17517,7 @@
                 </a:tc>
                 <a:extLst>
                   <a:ext uri="{0D108BD9-81ED-4DB2-BD59-A6C34878D82A}">
-                    <a16:rowId xmlns="" xmlns:a16="http://schemas.microsoft.com/office/drawing/2014/main" val="1683814525"/>
+                    <a16:rowId xmlns:a16="http://schemas.microsoft.com/office/drawing/2014/main" xmlns="" val="1683814525"/>
                   </a:ext>
                 </a:extLst>
               </a:tr>
@@ -17653,14 +17653,14 @@
                 <a:gridCol w="1925311">
                   <a:extLst>
                     <a:ext uri="{9D8B030D-6E8A-4147-A177-3AD203B41FA5}">
-                      <a16:colId xmlns="" xmlns:a16="http://schemas.microsoft.com/office/drawing/2014/main" val="1518255068"/>
+                      <a16:colId xmlns:a16="http://schemas.microsoft.com/office/drawing/2014/main" xmlns="" val="1518255068"/>
                     </a:ext>
                   </a:extLst>
                 </a:gridCol>
                 <a:gridCol w="9199948">
                   <a:extLst>
                     <a:ext uri="{9D8B030D-6E8A-4147-A177-3AD203B41FA5}">
-                      <a16:colId xmlns="" xmlns:a16="http://schemas.microsoft.com/office/drawing/2014/main" val="214799246"/>
+                      <a16:colId xmlns:a16="http://schemas.microsoft.com/office/drawing/2014/main" xmlns="" val="214799246"/>
                     </a:ext>
                   </a:extLst>
                 </a:gridCol>
@@ -17811,7 +17811,7 @@
                 </a:tc>
                 <a:extLst>
                   <a:ext uri="{0D108BD9-81ED-4DB2-BD59-A6C34878D82A}">
-                    <a16:rowId xmlns="" xmlns:a16="http://schemas.microsoft.com/office/drawing/2014/main" val="1670581919"/>
+                    <a16:rowId xmlns:a16="http://schemas.microsoft.com/office/drawing/2014/main" xmlns="" val="1670581919"/>
                   </a:ext>
                 </a:extLst>
               </a:tr>
@@ -18171,7 +18171,7 @@
                 </a:tc>
                 <a:extLst>
                   <a:ext uri="{0D108BD9-81ED-4DB2-BD59-A6C34878D82A}">
-                    <a16:rowId xmlns="" xmlns:a16="http://schemas.microsoft.com/office/drawing/2014/main" val="2590035900"/>
+                    <a16:rowId xmlns:a16="http://schemas.microsoft.com/office/drawing/2014/main" xmlns="" val="2590035900"/>
                   </a:ext>
                 </a:extLst>
               </a:tr>
@@ -18459,7 +18459,7 @@
                 </a:tc>
                 <a:extLst>
                   <a:ext uri="{0D108BD9-81ED-4DB2-BD59-A6C34878D82A}">
-                    <a16:rowId xmlns="" xmlns:a16="http://schemas.microsoft.com/office/drawing/2014/main" val="1428869406"/>
+                    <a16:rowId xmlns:a16="http://schemas.microsoft.com/office/drawing/2014/main" xmlns="" val="1428869406"/>
                   </a:ext>
                 </a:extLst>
               </a:tr>
@@ -18747,7 +18747,7 @@
                 </a:tc>
                 <a:extLst>
                   <a:ext uri="{0D108BD9-81ED-4DB2-BD59-A6C34878D82A}">
-                    <a16:rowId xmlns="" xmlns:a16="http://schemas.microsoft.com/office/drawing/2014/main" val="3042225215"/>
+                    <a16:rowId xmlns:a16="http://schemas.microsoft.com/office/drawing/2014/main" xmlns="" val="3042225215"/>
                   </a:ext>
                 </a:extLst>
               </a:tr>
@@ -18944,7 +18944,7 @@
                 <a:gridCol w="10049070">
                   <a:extLst>
                     <a:ext uri="{9D8B030D-6E8A-4147-A177-3AD203B41FA5}">
-                      <a16:colId xmlns="" xmlns:a16="http://schemas.microsoft.com/office/drawing/2014/main" val="1053143411"/>
+                      <a16:colId xmlns:a16="http://schemas.microsoft.com/office/drawing/2014/main" xmlns="" val="1053143411"/>
                     </a:ext>
                   </a:extLst>
                 </a:gridCol>
@@ -19069,7 +19069,7 @@
                 </a:tc>
                 <a:extLst>
                   <a:ext uri="{0D108BD9-81ED-4DB2-BD59-A6C34878D82A}">
-                    <a16:rowId xmlns="" xmlns:a16="http://schemas.microsoft.com/office/drawing/2014/main" val="1080675285"/>
+                    <a16:rowId xmlns:a16="http://schemas.microsoft.com/office/drawing/2014/main" xmlns="" val="1080675285"/>
                   </a:ext>
                 </a:extLst>
               </a:tr>
@@ -19463,7 +19463,7 @@
                 </a:tc>
                 <a:extLst>
                   <a:ext uri="{0D108BD9-81ED-4DB2-BD59-A6C34878D82A}">
-                    <a16:rowId xmlns="" xmlns:a16="http://schemas.microsoft.com/office/drawing/2014/main" val="1683814525"/>
+                    <a16:rowId xmlns:a16="http://schemas.microsoft.com/office/drawing/2014/main" xmlns="" val="1683814525"/>
                   </a:ext>
                 </a:extLst>
               </a:tr>
@@ -19550,28 +19550,28 @@
                 <a:gridCol w="1885553">
                   <a:extLst>
                     <a:ext uri="{9D8B030D-6E8A-4147-A177-3AD203B41FA5}">
-                      <a16:colId xmlns="" xmlns:a16="http://schemas.microsoft.com/office/drawing/2014/main" val="1053143411"/>
+                      <a16:colId xmlns:a16="http://schemas.microsoft.com/office/drawing/2014/main" xmlns="" val="1053143411"/>
                     </a:ext>
                   </a:extLst>
                 </a:gridCol>
                 <a:gridCol w="3095589">
                   <a:extLst>
                     <a:ext uri="{9D8B030D-6E8A-4147-A177-3AD203B41FA5}">
-                      <a16:colId xmlns="" xmlns:a16="http://schemas.microsoft.com/office/drawing/2014/main" val="1518255068"/>
+                      <a16:colId xmlns:a16="http://schemas.microsoft.com/office/drawing/2014/main" xmlns="" val="1518255068"/>
                     </a:ext>
                   </a:extLst>
                 </a:gridCol>
                 <a:gridCol w="3678797">
                   <a:extLst>
                     <a:ext uri="{9D8B030D-6E8A-4147-A177-3AD203B41FA5}">
-                      <a16:colId xmlns="" xmlns:a16="http://schemas.microsoft.com/office/drawing/2014/main" val="3319531251"/>
+                      <a16:colId xmlns:a16="http://schemas.microsoft.com/office/drawing/2014/main" xmlns="" val="3319531251"/>
                     </a:ext>
                   </a:extLst>
                 </a:gridCol>
                 <a:gridCol w="2329858">
                   <a:extLst>
                     <a:ext uri="{9D8B030D-6E8A-4147-A177-3AD203B41FA5}">
-                      <a16:colId xmlns="" xmlns:a16="http://schemas.microsoft.com/office/drawing/2014/main" val="584824119"/>
+                      <a16:colId xmlns:a16="http://schemas.microsoft.com/office/drawing/2014/main" xmlns="" val="584824119"/>
                     </a:ext>
                   </a:extLst>
                 </a:gridCol>
@@ -19853,7 +19853,7 @@
                 </a:tc>
                 <a:extLst>
                   <a:ext uri="{0D108BD9-81ED-4DB2-BD59-A6C34878D82A}">
-                    <a16:rowId xmlns="" xmlns:a16="http://schemas.microsoft.com/office/drawing/2014/main" val="1670581919"/>
+                    <a16:rowId xmlns:a16="http://schemas.microsoft.com/office/drawing/2014/main" xmlns="" val="1670581919"/>
                   </a:ext>
                 </a:extLst>
               </a:tr>
@@ -20307,7 +20307,7 @@
                 </a:tc>
                 <a:extLst>
                   <a:ext uri="{0D108BD9-81ED-4DB2-BD59-A6C34878D82A}">
-                    <a16:rowId xmlns="" xmlns:a16="http://schemas.microsoft.com/office/drawing/2014/main" val="1080675285"/>
+                    <a16:rowId xmlns:a16="http://schemas.microsoft.com/office/drawing/2014/main" xmlns="" val="1080675285"/>
                   </a:ext>
                 </a:extLst>
               </a:tr>
@@ -20638,7 +20638,7 @@
                 </a:tc>
                 <a:extLst>
                   <a:ext uri="{0D108BD9-81ED-4DB2-BD59-A6C34878D82A}">
-                    <a16:rowId xmlns="" xmlns:a16="http://schemas.microsoft.com/office/drawing/2014/main" val="3837809387"/>
+                    <a16:rowId xmlns:a16="http://schemas.microsoft.com/office/drawing/2014/main" xmlns="" val="3837809387"/>
                   </a:ext>
                 </a:extLst>
               </a:tr>
@@ -21042,7 +21042,7 @@
                 </a:tc>
                 <a:extLst>
                   <a:ext uri="{0D108BD9-81ED-4DB2-BD59-A6C34878D82A}">
-                    <a16:rowId xmlns="" xmlns:a16="http://schemas.microsoft.com/office/drawing/2014/main" val="2667508895"/>
+                    <a16:rowId xmlns:a16="http://schemas.microsoft.com/office/drawing/2014/main" xmlns="" val="2667508895"/>
                   </a:ext>
                 </a:extLst>
               </a:tr>
@@ -21285,7 +21285,7 @@
                 </a:tc>
                 <a:extLst>
                   <a:ext uri="{0D108BD9-81ED-4DB2-BD59-A6C34878D82A}">
-                    <a16:rowId xmlns="" xmlns:a16="http://schemas.microsoft.com/office/drawing/2014/main" val="3306332610"/>
+                    <a16:rowId xmlns:a16="http://schemas.microsoft.com/office/drawing/2014/main" xmlns="" val="3306332610"/>
                   </a:ext>
                 </a:extLst>
               </a:tr>
@@ -21681,7 +21681,7 @@
                 </a:tc>
                 <a:extLst>
                   <a:ext uri="{0D108BD9-81ED-4DB2-BD59-A6C34878D82A}">
-                    <a16:rowId xmlns="" xmlns:a16="http://schemas.microsoft.com/office/drawing/2014/main" val="3570513718"/>
+                    <a16:rowId xmlns:a16="http://schemas.microsoft.com/office/drawing/2014/main" xmlns="" val="3570513718"/>
                   </a:ext>
                 </a:extLst>
               </a:tr>
@@ -22047,7 +22047,7 @@
                 </a:tc>
                 <a:extLst>
                   <a:ext uri="{0D108BD9-81ED-4DB2-BD59-A6C34878D82A}">
-                    <a16:rowId xmlns="" xmlns:a16="http://schemas.microsoft.com/office/drawing/2014/main" val="3330892908"/>
+                    <a16:rowId xmlns:a16="http://schemas.microsoft.com/office/drawing/2014/main" xmlns="" val="3330892908"/>
                   </a:ext>
                 </a:extLst>
               </a:tr>
@@ -22293,7 +22293,7 @@
                 <a:gridCol w="10145415">
                   <a:extLst>
                     <a:ext uri="{9D8B030D-6E8A-4147-A177-3AD203B41FA5}">
-                      <a16:colId xmlns="" xmlns:a16="http://schemas.microsoft.com/office/drawing/2014/main" val="1053143411"/>
+                      <a16:colId xmlns:a16="http://schemas.microsoft.com/office/drawing/2014/main" xmlns="" val="1053143411"/>
                     </a:ext>
                   </a:extLst>
                 </a:gridCol>
@@ -22418,7 +22418,7 @@
                 </a:tc>
                 <a:extLst>
                   <a:ext uri="{0D108BD9-81ED-4DB2-BD59-A6C34878D82A}">
-                    <a16:rowId xmlns="" xmlns:a16="http://schemas.microsoft.com/office/drawing/2014/main" val="1080675285"/>
+                    <a16:rowId xmlns:a16="http://schemas.microsoft.com/office/drawing/2014/main" xmlns="" val="1080675285"/>
                   </a:ext>
                 </a:extLst>
               </a:tr>
@@ -23168,7 +23168,7 @@
                 </a:tc>
                 <a:extLst>
                   <a:ext uri="{0D108BD9-81ED-4DB2-BD59-A6C34878D82A}">
-                    <a16:rowId xmlns="" xmlns:a16="http://schemas.microsoft.com/office/drawing/2014/main" val="1683814525"/>
+                    <a16:rowId xmlns:a16="http://schemas.microsoft.com/office/drawing/2014/main" xmlns="" val="1683814525"/>
                   </a:ext>
                 </a:extLst>
               </a:tr>
